--- a/FFPM/FFPM 763.pptx
+++ b/FFPM/FFPM 763.pptx
@@ -116,6 +116,22 @@
       </a:defRPr>
     </a:lvl9pPr>
   </p:defaultTextStyle>
+  <p:extLst>
+    <p:ext uri="{EFAFB233-063F-42B5-8137-9DF3F51BA10A}">
+      <p15:sldGuideLst xmlns:p15="http://schemas.microsoft.com/office/powerpoint/2012/main">
+        <p15:guide id="1" orient="horz" pos="1620">
+          <p15:clr>
+            <a:srgbClr val="A4A3A4"/>
+          </p15:clr>
+        </p15:guide>
+        <p15:guide id="2" pos="2880">
+          <p15:clr>
+            <a:srgbClr val="A4A3A4"/>
+          </p15:clr>
+        </p15:guide>
+      </p15:sldGuideLst>
+    </p:ext>
+  </p:extLst>
 </p:presentation>
 </file>
 
@@ -157,10 +173,9 @@
           <a:lstStyle/>
           <a:p>
             <a:r>
-              <a:rPr lang="fr-FR" smtClean="0"/>
+              <a:rPr lang="fr-FR"/>
               <a:t>Modifiez le style du titre</a:t>
             </a:r>
-            <a:endParaRPr lang="fr-FR"/>
           </a:p>
         </p:txBody>
       </p:sp>
@@ -276,10 +291,9 @@
           </a:lstStyle>
           <a:p>
             <a:r>
-              <a:rPr lang="fr-FR" smtClean="0"/>
+              <a:rPr lang="fr-FR"/>
               <a:t>Modifiez le style des sous-titres du masque</a:t>
             </a:r>
-            <a:endParaRPr lang="fr-FR"/>
           </a:p>
         </p:txBody>
       </p:sp>
@@ -300,7 +314,7 @@
           <a:p>
             <a:fld id="{9372AED0-05E3-4C73-9886-F4E710BE2D25}" type="datetimeFigureOut">
               <a:rPr lang="fr-FR" smtClean="0"/>
-              <a:t>05/11/2014</a:t>
+              <a:t>08/07/2023</a:t>
             </a:fld>
             <a:endParaRPr lang="fr-FR"/>
           </a:p>
@@ -394,10 +408,9 @@
           <a:lstStyle/>
           <a:p>
             <a:r>
-              <a:rPr lang="fr-FR" smtClean="0"/>
+              <a:rPr lang="fr-FR"/>
               <a:t>Modifiez le style du titre</a:t>
             </a:r>
-            <a:endParaRPr lang="fr-FR"/>
           </a:p>
         </p:txBody>
       </p:sp>
@@ -418,38 +431,37 @@
           <a:p>
             <a:pPr lvl="0"/>
             <a:r>
-              <a:rPr lang="fr-FR" smtClean="0"/>
+              <a:rPr lang="fr-FR"/>
               <a:t>Modifiez les styles du texte du masque</a:t>
             </a:r>
           </a:p>
           <a:p>
             <a:pPr lvl="1"/>
             <a:r>
-              <a:rPr lang="fr-FR" smtClean="0"/>
+              <a:rPr lang="fr-FR"/>
               <a:t>Deuxième niveau</a:t>
             </a:r>
           </a:p>
           <a:p>
             <a:pPr lvl="2"/>
             <a:r>
-              <a:rPr lang="fr-FR" smtClean="0"/>
+              <a:rPr lang="fr-FR"/>
               <a:t>Troisième niveau</a:t>
             </a:r>
           </a:p>
           <a:p>
             <a:pPr lvl="3"/>
             <a:r>
-              <a:rPr lang="fr-FR" smtClean="0"/>
+              <a:rPr lang="fr-FR"/>
               <a:t>Quatrième niveau</a:t>
             </a:r>
           </a:p>
           <a:p>
             <a:pPr lvl="4"/>
             <a:r>
-              <a:rPr lang="fr-FR" smtClean="0"/>
+              <a:rPr lang="fr-FR"/>
               <a:t>Cinquième niveau</a:t>
             </a:r>
-            <a:endParaRPr lang="fr-FR"/>
           </a:p>
         </p:txBody>
       </p:sp>
@@ -470,7 +482,7 @@
           <a:p>
             <a:fld id="{9372AED0-05E3-4C73-9886-F4E710BE2D25}" type="datetimeFigureOut">
               <a:rPr lang="fr-FR" smtClean="0"/>
-              <a:t>05/11/2014</a:t>
+              <a:t>08/07/2023</a:t>
             </a:fld>
             <a:endParaRPr lang="fr-FR"/>
           </a:p>
@@ -569,10 +581,9 @@
           <a:lstStyle/>
           <a:p>
             <a:r>
-              <a:rPr lang="fr-FR" smtClean="0"/>
+              <a:rPr lang="fr-FR"/>
               <a:t>Modifiez le style du titre</a:t>
             </a:r>
-            <a:endParaRPr lang="fr-FR"/>
           </a:p>
         </p:txBody>
       </p:sp>
@@ -598,38 +609,37 @@
           <a:p>
             <a:pPr lvl="0"/>
             <a:r>
-              <a:rPr lang="fr-FR" smtClean="0"/>
+              <a:rPr lang="fr-FR"/>
               <a:t>Modifiez les styles du texte du masque</a:t>
             </a:r>
           </a:p>
           <a:p>
             <a:pPr lvl="1"/>
             <a:r>
-              <a:rPr lang="fr-FR" smtClean="0"/>
+              <a:rPr lang="fr-FR"/>
               <a:t>Deuxième niveau</a:t>
             </a:r>
           </a:p>
           <a:p>
             <a:pPr lvl="2"/>
             <a:r>
-              <a:rPr lang="fr-FR" smtClean="0"/>
+              <a:rPr lang="fr-FR"/>
               <a:t>Troisième niveau</a:t>
             </a:r>
           </a:p>
           <a:p>
             <a:pPr lvl="3"/>
             <a:r>
-              <a:rPr lang="fr-FR" smtClean="0"/>
+              <a:rPr lang="fr-FR"/>
               <a:t>Quatrième niveau</a:t>
             </a:r>
           </a:p>
           <a:p>
             <a:pPr lvl="4"/>
             <a:r>
-              <a:rPr lang="fr-FR" smtClean="0"/>
+              <a:rPr lang="fr-FR"/>
               <a:t>Cinquième niveau</a:t>
             </a:r>
-            <a:endParaRPr lang="fr-FR"/>
           </a:p>
         </p:txBody>
       </p:sp>
@@ -650,7 +660,7 @@
           <a:p>
             <a:fld id="{9372AED0-05E3-4C73-9886-F4E710BE2D25}" type="datetimeFigureOut">
               <a:rPr lang="fr-FR" smtClean="0"/>
-              <a:t>05/11/2014</a:t>
+              <a:t>08/07/2023</a:t>
             </a:fld>
             <a:endParaRPr lang="fr-FR"/>
           </a:p>
@@ -744,10 +754,9 @@
           <a:lstStyle/>
           <a:p>
             <a:r>
-              <a:rPr lang="fr-FR" smtClean="0"/>
+              <a:rPr lang="fr-FR"/>
               <a:t>Modifiez le style du titre</a:t>
             </a:r>
-            <a:endParaRPr lang="fr-FR"/>
           </a:p>
         </p:txBody>
       </p:sp>
@@ -768,38 +777,37 @@
           <a:p>
             <a:pPr lvl="0"/>
             <a:r>
-              <a:rPr lang="fr-FR" smtClean="0"/>
+              <a:rPr lang="fr-FR"/>
               <a:t>Modifiez les styles du texte du masque</a:t>
             </a:r>
           </a:p>
           <a:p>
             <a:pPr lvl="1"/>
             <a:r>
-              <a:rPr lang="fr-FR" smtClean="0"/>
+              <a:rPr lang="fr-FR"/>
               <a:t>Deuxième niveau</a:t>
             </a:r>
           </a:p>
           <a:p>
             <a:pPr lvl="2"/>
             <a:r>
-              <a:rPr lang="fr-FR" smtClean="0"/>
+              <a:rPr lang="fr-FR"/>
               <a:t>Troisième niveau</a:t>
             </a:r>
           </a:p>
           <a:p>
             <a:pPr lvl="3"/>
             <a:r>
-              <a:rPr lang="fr-FR" smtClean="0"/>
+              <a:rPr lang="fr-FR"/>
               <a:t>Quatrième niveau</a:t>
             </a:r>
           </a:p>
           <a:p>
             <a:pPr lvl="4"/>
             <a:r>
-              <a:rPr lang="fr-FR" smtClean="0"/>
+              <a:rPr lang="fr-FR"/>
               <a:t>Cinquième niveau</a:t>
             </a:r>
-            <a:endParaRPr lang="fr-FR"/>
           </a:p>
         </p:txBody>
       </p:sp>
@@ -820,7 +828,7 @@
           <a:p>
             <a:fld id="{9372AED0-05E3-4C73-9886-F4E710BE2D25}" type="datetimeFigureOut">
               <a:rPr lang="fr-FR" smtClean="0"/>
-              <a:t>05/11/2014</a:t>
+              <a:t>08/07/2023</a:t>
             </a:fld>
             <a:endParaRPr lang="fr-FR"/>
           </a:p>
@@ -923,10 +931,9 @@
           </a:lstStyle>
           <a:p>
             <a:r>
-              <a:rPr lang="fr-FR" smtClean="0"/>
+              <a:rPr lang="fr-FR"/>
               <a:t>Modifiez le style du titre</a:t>
             </a:r>
-            <a:endParaRPr lang="fr-FR"/>
           </a:p>
         </p:txBody>
       </p:sp>
@@ -1043,7 +1050,7 @@
           <a:p>
             <a:pPr lvl="0"/>
             <a:r>
-              <a:rPr lang="fr-FR" smtClean="0"/>
+              <a:rPr lang="fr-FR"/>
               <a:t>Modifiez les styles du texte du masque</a:t>
             </a:r>
           </a:p>
@@ -1066,7 +1073,7 @@
           <a:p>
             <a:fld id="{9372AED0-05E3-4C73-9886-F4E710BE2D25}" type="datetimeFigureOut">
               <a:rPr lang="fr-FR" smtClean="0"/>
-              <a:t>05/11/2014</a:t>
+              <a:t>08/07/2023</a:t>
             </a:fld>
             <a:endParaRPr lang="fr-FR"/>
           </a:p>
@@ -1160,10 +1167,9 @@
           <a:lstStyle/>
           <a:p>
             <a:r>
-              <a:rPr lang="fr-FR" smtClean="0"/>
+              <a:rPr lang="fr-FR"/>
               <a:t>Modifiez le style du titre</a:t>
             </a:r>
-            <a:endParaRPr lang="fr-FR"/>
           </a:p>
         </p:txBody>
       </p:sp>
@@ -1217,38 +1223,37 @@
           <a:p>
             <a:pPr lvl="0"/>
             <a:r>
-              <a:rPr lang="fr-FR" smtClean="0"/>
+              <a:rPr lang="fr-FR"/>
               <a:t>Modifiez les styles du texte du masque</a:t>
             </a:r>
           </a:p>
           <a:p>
             <a:pPr lvl="1"/>
             <a:r>
-              <a:rPr lang="fr-FR" smtClean="0"/>
+              <a:rPr lang="fr-FR"/>
               <a:t>Deuxième niveau</a:t>
             </a:r>
           </a:p>
           <a:p>
             <a:pPr lvl="2"/>
             <a:r>
-              <a:rPr lang="fr-FR" smtClean="0"/>
+              <a:rPr lang="fr-FR"/>
               <a:t>Troisième niveau</a:t>
             </a:r>
           </a:p>
           <a:p>
             <a:pPr lvl="3"/>
             <a:r>
-              <a:rPr lang="fr-FR" smtClean="0"/>
+              <a:rPr lang="fr-FR"/>
               <a:t>Quatrième niveau</a:t>
             </a:r>
           </a:p>
           <a:p>
             <a:pPr lvl="4"/>
             <a:r>
-              <a:rPr lang="fr-FR" smtClean="0"/>
+              <a:rPr lang="fr-FR"/>
               <a:t>Cinquième niveau</a:t>
             </a:r>
-            <a:endParaRPr lang="fr-FR"/>
           </a:p>
         </p:txBody>
       </p:sp>
@@ -1302,38 +1307,37 @@
           <a:p>
             <a:pPr lvl="0"/>
             <a:r>
-              <a:rPr lang="fr-FR" smtClean="0"/>
+              <a:rPr lang="fr-FR"/>
               <a:t>Modifiez les styles du texte du masque</a:t>
             </a:r>
           </a:p>
           <a:p>
             <a:pPr lvl="1"/>
             <a:r>
-              <a:rPr lang="fr-FR" smtClean="0"/>
+              <a:rPr lang="fr-FR"/>
               <a:t>Deuxième niveau</a:t>
             </a:r>
           </a:p>
           <a:p>
             <a:pPr lvl="2"/>
             <a:r>
-              <a:rPr lang="fr-FR" smtClean="0"/>
+              <a:rPr lang="fr-FR"/>
               <a:t>Troisième niveau</a:t>
             </a:r>
           </a:p>
           <a:p>
             <a:pPr lvl="3"/>
             <a:r>
-              <a:rPr lang="fr-FR" smtClean="0"/>
+              <a:rPr lang="fr-FR"/>
               <a:t>Quatrième niveau</a:t>
             </a:r>
           </a:p>
           <a:p>
             <a:pPr lvl="4"/>
             <a:r>
-              <a:rPr lang="fr-FR" smtClean="0"/>
+              <a:rPr lang="fr-FR"/>
               <a:t>Cinquième niveau</a:t>
             </a:r>
-            <a:endParaRPr lang="fr-FR"/>
           </a:p>
         </p:txBody>
       </p:sp>
@@ -1354,7 +1358,7 @@
           <a:p>
             <a:fld id="{9372AED0-05E3-4C73-9886-F4E710BE2D25}" type="datetimeFigureOut">
               <a:rPr lang="fr-FR" smtClean="0"/>
-              <a:t>05/11/2014</a:t>
+              <a:t>08/07/2023</a:t>
             </a:fld>
             <a:endParaRPr lang="fr-FR"/>
           </a:p>
@@ -1457,10 +1461,9 @@
           </a:lstStyle>
           <a:p>
             <a:r>
-              <a:rPr lang="fr-FR" smtClean="0"/>
+              <a:rPr lang="fr-FR"/>
               <a:t>Modifiez le style du titre</a:t>
             </a:r>
-            <a:endParaRPr lang="fr-FR"/>
           </a:p>
         </p:txBody>
       </p:sp>
@@ -1523,7 +1526,7 @@
           <a:p>
             <a:pPr lvl="0"/>
             <a:r>
-              <a:rPr lang="fr-FR" smtClean="0"/>
+              <a:rPr lang="fr-FR"/>
               <a:t>Modifiez les styles du texte du masque</a:t>
             </a:r>
           </a:p>
@@ -1579,38 +1582,37 @@
           <a:p>
             <a:pPr lvl="0"/>
             <a:r>
-              <a:rPr lang="fr-FR" smtClean="0"/>
+              <a:rPr lang="fr-FR"/>
               <a:t>Modifiez les styles du texte du masque</a:t>
             </a:r>
           </a:p>
           <a:p>
             <a:pPr lvl="1"/>
             <a:r>
-              <a:rPr lang="fr-FR" smtClean="0"/>
+              <a:rPr lang="fr-FR"/>
               <a:t>Deuxième niveau</a:t>
             </a:r>
           </a:p>
           <a:p>
             <a:pPr lvl="2"/>
             <a:r>
-              <a:rPr lang="fr-FR" smtClean="0"/>
+              <a:rPr lang="fr-FR"/>
               <a:t>Troisième niveau</a:t>
             </a:r>
           </a:p>
           <a:p>
             <a:pPr lvl="3"/>
             <a:r>
-              <a:rPr lang="fr-FR" smtClean="0"/>
+              <a:rPr lang="fr-FR"/>
               <a:t>Quatrième niveau</a:t>
             </a:r>
           </a:p>
           <a:p>
             <a:pPr lvl="4"/>
             <a:r>
-              <a:rPr lang="fr-FR" smtClean="0"/>
+              <a:rPr lang="fr-FR"/>
               <a:t>Cinquième niveau</a:t>
             </a:r>
-            <a:endParaRPr lang="fr-FR"/>
           </a:p>
         </p:txBody>
       </p:sp>
@@ -1673,7 +1675,7 @@
           <a:p>
             <a:pPr lvl="0"/>
             <a:r>
-              <a:rPr lang="fr-FR" smtClean="0"/>
+              <a:rPr lang="fr-FR"/>
               <a:t>Modifiez les styles du texte du masque</a:t>
             </a:r>
           </a:p>
@@ -1729,38 +1731,37 @@
           <a:p>
             <a:pPr lvl="0"/>
             <a:r>
-              <a:rPr lang="fr-FR" smtClean="0"/>
+              <a:rPr lang="fr-FR"/>
               <a:t>Modifiez les styles du texte du masque</a:t>
             </a:r>
           </a:p>
           <a:p>
             <a:pPr lvl="1"/>
             <a:r>
-              <a:rPr lang="fr-FR" smtClean="0"/>
+              <a:rPr lang="fr-FR"/>
               <a:t>Deuxième niveau</a:t>
             </a:r>
           </a:p>
           <a:p>
             <a:pPr lvl="2"/>
             <a:r>
-              <a:rPr lang="fr-FR" smtClean="0"/>
+              <a:rPr lang="fr-FR"/>
               <a:t>Troisième niveau</a:t>
             </a:r>
           </a:p>
           <a:p>
             <a:pPr lvl="3"/>
             <a:r>
-              <a:rPr lang="fr-FR" smtClean="0"/>
+              <a:rPr lang="fr-FR"/>
               <a:t>Quatrième niveau</a:t>
             </a:r>
           </a:p>
           <a:p>
             <a:pPr lvl="4"/>
             <a:r>
-              <a:rPr lang="fr-FR" smtClean="0"/>
+              <a:rPr lang="fr-FR"/>
               <a:t>Cinquième niveau</a:t>
             </a:r>
-            <a:endParaRPr lang="fr-FR"/>
           </a:p>
         </p:txBody>
       </p:sp>
@@ -1781,7 +1782,7 @@
           <a:p>
             <a:fld id="{9372AED0-05E3-4C73-9886-F4E710BE2D25}" type="datetimeFigureOut">
               <a:rPr lang="fr-FR" smtClean="0"/>
-              <a:t>05/11/2014</a:t>
+              <a:t>08/07/2023</a:t>
             </a:fld>
             <a:endParaRPr lang="fr-FR"/>
           </a:p>
@@ -1875,10 +1876,9 @@
           <a:lstStyle/>
           <a:p>
             <a:r>
-              <a:rPr lang="fr-FR" smtClean="0"/>
+              <a:rPr lang="fr-FR"/>
               <a:t>Modifiez le style du titre</a:t>
             </a:r>
-            <a:endParaRPr lang="fr-FR"/>
           </a:p>
         </p:txBody>
       </p:sp>
@@ -1899,7 +1899,7 @@
           <a:p>
             <a:fld id="{9372AED0-05E3-4C73-9886-F4E710BE2D25}" type="datetimeFigureOut">
               <a:rPr lang="fr-FR" smtClean="0"/>
-              <a:t>05/11/2014</a:t>
+              <a:t>08/07/2023</a:t>
             </a:fld>
             <a:endParaRPr lang="fr-FR"/>
           </a:p>
@@ -1994,7 +1994,7 @@
           <a:p>
             <a:fld id="{9372AED0-05E3-4C73-9886-F4E710BE2D25}" type="datetimeFigureOut">
               <a:rPr lang="fr-FR" smtClean="0"/>
-              <a:t>05/11/2014</a:t>
+              <a:t>08/07/2023</a:t>
             </a:fld>
             <a:endParaRPr lang="fr-FR"/>
           </a:p>
@@ -2097,10 +2097,9 @@
           </a:lstStyle>
           <a:p>
             <a:r>
-              <a:rPr lang="fr-FR" smtClean="0"/>
+              <a:rPr lang="fr-FR"/>
               <a:t>Modifiez le style du titre</a:t>
             </a:r>
-            <a:endParaRPr lang="fr-FR"/>
           </a:p>
         </p:txBody>
       </p:sp>
@@ -2154,38 +2153,37 @@
           <a:p>
             <a:pPr lvl="0"/>
             <a:r>
-              <a:rPr lang="fr-FR" smtClean="0"/>
+              <a:rPr lang="fr-FR"/>
               <a:t>Modifiez les styles du texte du masque</a:t>
             </a:r>
           </a:p>
           <a:p>
             <a:pPr lvl="1"/>
             <a:r>
-              <a:rPr lang="fr-FR" smtClean="0"/>
+              <a:rPr lang="fr-FR"/>
               <a:t>Deuxième niveau</a:t>
             </a:r>
           </a:p>
           <a:p>
             <a:pPr lvl="2"/>
             <a:r>
-              <a:rPr lang="fr-FR" smtClean="0"/>
+              <a:rPr lang="fr-FR"/>
               <a:t>Troisième niveau</a:t>
             </a:r>
           </a:p>
           <a:p>
             <a:pPr lvl="3"/>
             <a:r>
-              <a:rPr lang="fr-FR" smtClean="0"/>
+              <a:rPr lang="fr-FR"/>
               <a:t>Quatrième niveau</a:t>
             </a:r>
           </a:p>
           <a:p>
             <a:pPr lvl="4"/>
             <a:r>
-              <a:rPr lang="fr-FR" smtClean="0"/>
+              <a:rPr lang="fr-FR"/>
               <a:t>Cinquième niveau</a:t>
             </a:r>
-            <a:endParaRPr lang="fr-FR"/>
           </a:p>
         </p:txBody>
       </p:sp>
@@ -2248,7 +2246,7 @@
           <a:p>
             <a:pPr lvl="0"/>
             <a:r>
-              <a:rPr lang="fr-FR" smtClean="0"/>
+              <a:rPr lang="fr-FR"/>
               <a:t>Modifiez les styles du texte du masque</a:t>
             </a:r>
           </a:p>
@@ -2271,7 +2269,7 @@
           <a:p>
             <a:fld id="{9372AED0-05E3-4C73-9886-F4E710BE2D25}" type="datetimeFigureOut">
               <a:rPr lang="fr-FR" smtClean="0"/>
-              <a:t>05/11/2014</a:t>
+              <a:t>08/07/2023</a:t>
             </a:fld>
             <a:endParaRPr lang="fr-FR"/>
           </a:p>
@@ -2374,10 +2372,9 @@
           </a:lstStyle>
           <a:p>
             <a:r>
-              <a:rPr lang="fr-FR" smtClean="0"/>
+              <a:rPr lang="fr-FR"/>
               <a:t>Modifiez le style du titre</a:t>
             </a:r>
-            <a:endParaRPr lang="fr-FR"/>
           </a:p>
         </p:txBody>
       </p:sp>
@@ -2501,7 +2498,7 @@
           <a:p>
             <a:pPr lvl="0"/>
             <a:r>
-              <a:rPr lang="fr-FR" smtClean="0"/>
+              <a:rPr lang="fr-FR"/>
               <a:t>Modifiez les styles du texte du masque</a:t>
             </a:r>
           </a:p>
@@ -2524,7 +2521,7 @@
           <a:p>
             <a:fld id="{9372AED0-05E3-4C73-9886-F4E710BE2D25}" type="datetimeFigureOut">
               <a:rPr lang="fr-FR" smtClean="0"/>
-              <a:t>05/11/2014</a:t>
+              <a:t>08/07/2023</a:t>
             </a:fld>
             <a:endParaRPr lang="fr-FR"/>
           </a:p>
@@ -2633,10 +2630,9 @@
           <a:lstStyle/>
           <a:p>
             <a:r>
-              <a:rPr lang="fr-FR" smtClean="0"/>
+              <a:rPr lang="fr-FR"/>
               <a:t>Modifiez le style du titre</a:t>
             </a:r>
-            <a:endParaRPr lang="fr-FR"/>
           </a:p>
         </p:txBody>
       </p:sp>
@@ -2667,38 +2663,37 @@
           <a:p>
             <a:pPr lvl="0"/>
             <a:r>
-              <a:rPr lang="fr-FR" smtClean="0"/>
+              <a:rPr lang="fr-FR"/>
               <a:t>Modifiez les styles du texte du masque</a:t>
             </a:r>
           </a:p>
           <a:p>
             <a:pPr lvl="1"/>
             <a:r>
-              <a:rPr lang="fr-FR" smtClean="0"/>
+              <a:rPr lang="fr-FR"/>
               <a:t>Deuxième niveau</a:t>
             </a:r>
           </a:p>
           <a:p>
             <a:pPr lvl="2"/>
             <a:r>
-              <a:rPr lang="fr-FR" smtClean="0"/>
+              <a:rPr lang="fr-FR"/>
               <a:t>Troisième niveau</a:t>
             </a:r>
           </a:p>
           <a:p>
             <a:pPr lvl="3"/>
             <a:r>
-              <a:rPr lang="fr-FR" smtClean="0"/>
+              <a:rPr lang="fr-FR"/>
               <a:t>Quatrième niveau</a:t>
             </a:r>
           </a:p>
           <a:p>
             <a:pPr lvl="4"/>
             <a:r>
-              <a:rPr lang="fr-FR" smtClean="0"/>
+              <a:rPr lang="fr-FR"/>
               <a:t>Cinquième niveau</a:t>
             </a:r>
-            <a:endParaRPr lang="fr-FR"/>
           </a:p>
         </p:txBody>
       </p:sp>
@@ -2737,7 +2732,7 @@
           <a:p>
             <a:fld id="{9372AED0-05E3-4C73-9886-F4E710BE2D25}" type="datetimeFigureOut">
               <a:rPr lang="fr-FR" smtClean="0"/>
-              <a:t>05/11/2014</a:t>
+              <a:t>08/07/2023</a:t>
             </a:fld>
             <a:endParaRPr lang="fr-FR"/>
           </a:p>
@@ -3130,10 +3125,9 @@
           <a:lstStyle/>
           <a:p>
             <a:r>
-              <a:rPr lang="fr-FR" sz="13800" b="1" dirty="0" smtClean="0"/>
+              <a:rPr lang="fr-FR" sz="13800" b="1" dirty="0"/>
               <a:t>763</a:t>
             </a:r>
-            <a:endParaRPr lang="fr-FR" sz="13800" b="1" dirty="0"/>
           </a:p>
         </p:txBody>
       </p:sp>
@@ -3209,6 +3203,18 @@
           <a:lstStyle/>
           <a:p>
             <a:r>
+              <a:rPr lang="en-GB" sz="8000" b="1" dirty="0">
+                <a:solidFill>
+                  <a:srgbClr val="FF0000"/>
+                </a:solidFill>
+              </a:rPr>
+              <a:t>3)</a:t>
+            </a:r>
+            <a:r>
+              <a:rPr lang="en-GB" sz="8000" b="1" i="1" dirty="0"/>
+              <a:t> </a:t>
+            </a:r>
+            <a:r>
               <a:rPr lang="en-GB" sz="8000" b="1" i="1" dirty="0" err="1"/>
               <a:t>I</a:t>
             </a:r>
@@ -3231,20 +3237,16 @@
             <a:r>
               <a:rPr lang="en-GB" sz="8000" b="1" dirty="0" err="1"/>
               <a:t>soa</a:t>
-            </a:r>
-            <a:r>
-              <a:rPr lang="fr-FR" sz="8000" b="1" dirty="0"/>
-              <a:t/>
             </a:r>
             <a:br>
               <a:rPr lang="fr-FR" sz="8000" b="1" dirty="0"/>
             </a:br>
             <a:r>
-              <a:rPr lang="en-GB" sz="8000" b="1" dirty="0" err="1" smtClean="0"/>
+              <a:rPr lang="en-GB" sz="8000" b="1" dirty="0" err="1"/>
               <a:t>Sy</a:t>
             </a:r>
             <a:r>
-              <a:rPr lang="en-GB" sz="8000" b="1" dirty="0" smtClean="0"/>
+              <a:rPr lang="en-GB" sz="8000" b="1" dirty="0"/>
               <a:t> </a:t>
             </a:r>
             <a:r>
@@ -3262,31 +3264,23 @@
             <a:r>
               <a:rPr lang="en-GB" sz="8000" b="1" dirty="0"/>
               <a:t>,</a:t>
-            </a:r>
-            <a:r>
-              <a:rPr lang="fr-FR" sz="8000" b="1" dirty="0"/>
-              <a:t/>
             </a:r>
             <a:br>
               <a:rPr lang="fr-FR" sz="8000" b="1" dirty="0"/>
             </a:br>
             <a:r>
-              <a:rPr lang="en-GB" sz="8000" b="1" dirty="0" err="1" smtClean="0"/>
+              <a:rPr lang="en-GB" sz="8000" b="1" dirty="0" err="1"/>
               <a:t>Tanteraho</a:t>
-            </a:r>
-            <a:r>
-              <a:rPr lang="fr-FR" sz="8000" b="1" dirty="0"/>
-              <a:t/>
             </a:r>
             <a:br>
               <a:rPr lang="fr-FR" sz="8000" b="1" dirty="0"/>
             </a:br>
             <a:r>
-              <a:rPr lang="en-GB" sz="8000" b="1" dirty="0" err="1" smtClean="0"/>
+              <a:rPr lang="en-GB" sz="8000" b="1" dirty="0" err="1"/>
               <a:t>Sy</a:t>
             </a:r>
             <a:r>
-              <a:rPr lang="en-GB" sz="8000" b="1" dirty="0" smtClean="0"/>
+              <a:rPr lang="en-GB" sz="8000" b="1" dirty="0"/>
               <a:t> </a:t>
             </a:r>
             <a:r>
@@ -3365,15 +3359,11 @@
               <a:rPr lang="en-GB" sz="8000" b="1" dirty="0" err="1"/>
               <a:t>soa</a:t>
             </a:r>
-            <a:r>
-              <a:rPr lang="fr-FR" sz="8000" b="1" dirty="0"/>
-              <a:t/>
-            </a:r>
             <a:br>
               <a:rPr lang="fr-FR" sz="8000" b="1" dirty="0"/>
             </a:br>
             <a:r>
-              <a:rPr lang="en-GB" sz="8000" b="1" dirty="0" smtClean="0"/>
+              <a:rPr lang="en-GB" sz="8000" b="1" dirty="0"/>
               <a:t>No </a:t>
             </a:r>
             <a:r>
@@ -3395,35 +3385,23 @@
             <a:r>
               <a:rPr lang="en-GB" sz="8000" b="1" dirty="0" err="1"/>
               <a:t>koa</a:t>
-            </a:r>
-            <a:r>
-              <a:rPr lang="fr-FR" sz="8000" b="1" dirty="0"/>
-              <a:t/>
             </a:r>
             <a:br>
               <a:rPr lang="fr-FR" sz="8000" b="1" dirty="0"/>
             </a:br>
             <a:r>
-              <a:rPr lang="en-GB" sz="8000" b="1" dirty="0" smtClean="0"/>
-              <a:t>O </a:t>
-            </a:r>
-            <a:r>
               <a:rPr lang="en-GB" sz="8000" b="1" dirty="0"/>
-              <a:t>! </a:t>
+              <a:t>O ! </a:t>
             </a:r>
             <a:r>
               <a:rPr lang="en-GB" sz="8000" b="1" dirty="0" err="1"/>
               <a:t>avia</a:t>
-            </a:r>
-            <a:r>
-              <a:rPr lang="fr-FR" sz="8000" b="1" dirty="0"/>
-              <a:t/>
             </a:r>
             <a:br>
               <a:rPr lang="fr-FR" sz="8000" b="1" dirty="0"/>
             </a:br>
             <a:r>
-              <a:rPr lang="en-GB" sz="8000" b="1" dirty="0" err="1" smtClean="0"/>
+              <a:rPr lang="en-GB" sz="8000" b="1" dirty="0" err="1"/>
               <a:t>Hiara-dia</a:t>
             </a:r>
             <a:r>
@@ -3546,18 +3524,6 @@
               </a:rPr>
               <a:t>,</a:t>
             </a:r>
-            <a:r>
-              <a:rPr lang="fr-FR" sz="7200" b="1" i="1" dirty="0">
-                <a:effectLst>
-                  <a:outerShdw blurRad="38100" dist="38100" dir="2700000" algn="tl">
-                    <a:srgbClr val="000000">
-                      <a:alpha val="43137"/>
-                    </a:srgbClr>
-                  </a:outerShdw>
-                </a:effectLst>
-              </a:rPr>
-              <a:t/>
-            </a:r>
             <a:br>
               <a:rPr lang="fr-FR" sz="7200" b="1" i="1" dirty="0">
                 <a:effectLst>
@@ -3570,7 +3536,7 @@
               </a:rPr>
             </a:br>
             <a:r>
-              <a:rPr lang="en-GB" sz="7200" b="1" i="1" dirty="0" err="1" smtClean="0">
+              <a:rPr lang="en-GB" sz="7200" b="1" i="1" dirty="0" err="1">
                 <a:effectLst>
                   <a:outerShdw blurRad="38100" dist="38100" dir="2700000" algn="tl">
                     <a:srgbClr val="000000">
@@ -3582,7 +3548,7 @@
               <a:t>Tafio</a:t>
             </a:r>
             <a:r>
-              <a:rPr lang="en-GB" sz="7200" b="1" i="1" dirty="0" smtClean="0">
+              <a:rPr lang="en-GB" sz="7200" b="1" i="1" dirty="0">
                 <a:effectLst>
                   <a:outerShdw blurRad="38100" dist="38100" dir="2700000" algn="tl">
                     <a:srgbClr val="000000">
@@ -3628,18 +3594,6 @@
                 </a:effectLst>
               </a:rPr>
               <a:t>herinao</a:t>
-            </a:r>
-            <a:r>
-              <a:rPr lang="fr-FR" sz="7200" b="1" i="1" dirty="0">
-                <a:effectLst>
-                  <a:outerShdw blurRad="38100" dist="38100" dir="2700000" algn="tl">
-                    <a:srgbClr val="000000">
-                      <a:alpha val="43137"/>
-                    </a:srgbClr>
-                  </a:outerShdw>
-                </a:effectLst>
-              </a:rPr>
-              <a:t/>
             </a:r>
             <a:br>
               <a:rPr lang="fr-FR" sz="7200" b="1" i="1" dirty="0">
@@ -3653,7 +3607,7 @@
               </a:rPr>
             </a:br>
             <a:r>
-              <a:rPr lang="en-GB" sz="7200" b="1" i="1" dirty="0" err="1" smtClean="0">
+              <a:rPr lang="en-GB" sz="7200" b="1" i="1" dirty="0" err="1">
                 <a:effectLst>
                   <a:outerShdw blurRad="38100" dist="38100" dir="2700000" algn="tl">
                     <a:srgbClr val="000000">
@@ -3665,7 +3619,7 @@
               <a:t>Injao</a:t>
             </a:r>
             <a:r>
-              <a:rPr lang="en-GB" sz="7200" b="1" i="1" dirty="0" smtClean="0">
+              <a:rPr lang="en-GB" sz="7200" b="1" i="1" dirty="0">
                 <a:effectLst>
                   <a:outerShdw blurRad="38100" dist="38100" dir="2700000" algn="tl">
                     <a:srgbClr val="000000">
@@ -3723,18 +3677,6 @@
                 </a:effectLst>
               </a:rPr>
               <a:t>,</a:t>
-            </a:r>
-            <a:r>
-              <a:rPr lang="fr-FR" sz="7200" b="1" i="1" dirty="0">
-                <a:effectLst>
-                  <a:outerShdw blurRad="38100" dist="38100" dir="2700000" algn="tl">
-                    <a:srgbClr val="000000">
-                      <a:alpha val="43137"/>
-                    </a:srgbClr>
-                  </a:outerShdw>
-                </a:effectLst>
-              </a:rPr>
-              <a:t/>
             </a:r>
             <a:br>
               <a:rPr lang="fr-FR" sz="7200" b="1" i="1" dirty="0">
@@ -3748,7 +3690,7 @@
               </a:rPr>
             </a:br>
             <a:r>
-              <a:rPr lang="en-GB" sz="7200" b="1" i="1" dirty="0" err="1" smtClean="0">
+              <a:rPr lang="en-GB" sz="7200" b="1" i="1" dirty="0" err="1">
                 <a:effectLst>
                   <a:outerShdw blurRad="38100" dist="38100" dir="2700000" algn="tl">
                     <a:srgbClr val="000000">
@@ -3760,7 +3702,7 @@
               <a:t>Manantena</a:t>
             </a:r>
             <a:r>
-              <a:rPr lang="en-GB" sz="7200" b="1" i="1" dirty="0" smtClean="0">
+              <a:rPr lang="en-GB" sz="7200" b="1" i="1" dirty="0">
                 <a:effectLst>
                   <a:outerShdw blurRad="38100" dist="38100" dir="2700000" algn="tl">
                     <a:srgbClr val="000000">
@@ -3931,18 +3873,6 @@
               </a:rPr>
               <a:t>,</a:t>
             </a:r>
-            <a:r>
-              <a:rPr lang="fr-FR" sz="7200" b="1" i="1" dirty="0">
-                <a:effectLst>
-                  <a:outerShdw blurRad="38100" dist="38100" dir="2700000" algn="tl">
-                    <a:srgbClr val="000000">
-                      <a:alpha val="43137"/>
-                    </a:srgbClr>
-                  </a:outerShdw>
-                </a:effectLst>
-              </a:rPr>
-              <a:t/>
-            </a:r>
             <a:br>
               <a:rPr lang="fr-FR" sz="7200" b="1" i="1" dirty="0">
                 <a:effectLst>
@@ -3955,7 +3885,7 @@
               </a:rPr>
             </a:br>
             <a:r>
-              <a:rPr lang="en-GB" sz="7200" b="1" i="1" dirty="0" err="1" smtClean="0">
+              <a:rPr lang="en-GB" sz="7200" b="1" i="1" dirty="0" err="1">
                 <a:effectLst>
                   <a:outerShdw blurRad="38100" dist="38100" dir="2700000" algn="tl">
                     <a:srgbClr val="000000">
@@ -3967,7 +3897,7 @@
               <a:t>Taninin-doza</a:t>
             </a:r>
             <a:r>
-              <a:rPr lang="en-GB" sz="7200" b="1" i="1" dirty="0" smtClean="0">
+              <a:rPr lang="en-GB" sz="7200" b="1" i="1" dirty="0">
                 <a:effectLst>
                   <a:outerShdw blurRad="38100" dist="38100" dir="2700000" algn="tl">
                     <a:srgbClr val="000000">
@@ -3989,18 +3919,6 @@
                 </a:effectLst>
               </a:rPr>
               <a:t>izao</a:t>
-            </a:r>
-            <a:r>
-              <a:rPr lang="fr-FR" sz="7200" b="1" i="1" dirty="0">
-                <a:effectLst>
-                  <a:outerShdw blurRad="38100" dist="38100" dir="2700000" algn="tl">
-                    <a:srgbClr val="000000">
-                      <a:alpha val="43137"/>
-                    </a:srgbClr>
-                  </a:outerShdw>
-                </a:effectLst>
-              </a:rPr>
-              <a:t/>
             </a:r>
             <a:br>
               <a:rPr lang="fr-FR" sz="7200" b="1" i="1" dirty="0">
@@ -4014,18 +3932,6 @@
               </a:rPr>
             </a:br>
             <a:r>
-              <a:rPr lang="en-GB" sz="7200" b="1" i="1" dirty="0" smtClean="0">
-                <a:effectLst>
-                  <a:outerShdw blurRad="38100" dist="38100" dir="2700000" algn="tl">
-                    <a:srgbClr val="000000">
-                      <a:alpha val="43137"/>
-                    </a:srgbClr>
-                  </a:outerShdw>
-                </a:effectLst>
-              </a:rPr>
-              <a:t>O </a:t>
-            </a:r>
-            <a:r>
               <a:rPr lang="en-GB" sz="7200" b="1" i="1" dirty="0">
                 <a:effectLst>
                   <a:outerShdw blurRad="38100" dist="38100" dir="2700000" algn="tl">
@@ -4035,7 +3941,7 @@
                   </a:outerShdw>
                 </a:effectLst>
               </a:rPr>
-              <a:t>! </a:t>
+              <a:t>O ! </a:t>
             </a:r>
             <a:r>
               <a:rPr lang="en-GB" sz="7200" b="1" i="1" dirty="0" err="1">
@@ -4048,18 +3954,6 @@
                 </a:effectLst>
               </a:rPr>
               <a:t>vonjeo</a:t>
-            </a:r>
-            <a:r>
-              <a:rPr lang="fr-FR" sz="7200" b="1" i="1" dirty="0">
-                <a:effectLst>
-                  <a:outerShdw blurRad="38100" dist="38100" dir="2700000" algn="tl">
-                    <a:srgbClr val="000000">
-                      <a:alpha val="43137"/>
-                    </a:srgbClr>
-                  </a:outerShdw>
-                </a:effectLst>
-              </a:rPr>
-              <a:t/>
             </a:r>
             <a:br>
               <a:rPr lang="fr-FR" sz="7200" b="1" i="1" dirty="0">
@@ -4073,7 +3967,7 @@
               </a:rPr>
             </a:br>
             <a:r>
-              <a:rPr lang="en-GB" sz="7200" b="1" i="1" dirty="0" err="1" smtClean="0">
+              <a:rPr lang="en-GB" sz="7200" b="1" i="1" dirty="0" err="1">
                 <a:effectLst>
                   <a:outerShdw blurRad="38100" dist="38100" dir="2700000" algn="tl">
                     <a:srgbClr val="000000">
@@ -4085,7 +3979,7 @@
               <a:t>Fa</a:t>
             </a:r>
             <a:r>
-              <a:rPr lang="en-GB" sz="7200" b="1" i="1" dirty="0" smtClean="0">
+              <a:rPr lang="en-GB" sz="7200" b="1" i="1" dirty="0">
                 <a:effectLst>
                   <a:outerShdw blurRad="38100" dist="38100" dir="2700000" algn="tl">
                     <a:srgbClr val="000000">
@@ -4185,7 +4079,7 @@
           <a:lstStyle/>
           <a:p>
             <a:r>
-              <a:rPr lang="en-GB" sz="7200" b="1" dirty="0" smtClean="0">
+              <a:rPr lang="en-GB" sz="7200" b="1" dirty="0">
                 <a:solidFill>
                   <a:srgbClr val="FF0000"/>
                 </a:solidFill>
@@ -4200,10 +4094,6 @@
               <a:rPr lang="en-GB" sz="7200" b="1" dirty="0"/>
               <a:t> ô !</a:t>
             </a:r>
-            <a:r>
-              <a:rPr lang="fr-FR" sz="7200" b="1" dirty="0"/>
-              <a:t/>
-            </a:r>
             <a:br>
               <a:rPr lang="fr-FR" sz="7200" b="1" dirty="0"/>
             </a:br>
@@ -4223,10 +4113,6 @@
               <a:rPr lang="en-GB" sz="7200" b="1" dirty="0" err="1"/>
               <a:t>Nosin-drazanao</a:t>
             </a:r>
-            <a:r>
-              <a:rPr lang="fr-FR" sz="7200" b="1" dirty="0"/>
-              <a:t/>
-            </a:r>
             <a:br>
               <a:rPr lang="fr-FR" sz="7200" b="1" dirty="0"/>
             </a:br>
@@ -4250,10 +4136,6 @@
               <a:rPr lang="en-GB" sz="7200" b="1" dirty="0" err="1"/>
               <a:t>izao</a:t>
             </a:r>
-            <a:r>
-              <a:rPr lang="fr-FR" sz="7200" b="1" dirty="0"/>
-              <a:t/>
-            </a:r>
             <a:br>
               <a:rPr lang="fr-FR" sz="7200" b="1" dirty="0"/>
             </a:br>
@@ -4278,7 +4160,7 @@
               <a:t>anao</a:t>
             </a:r>
             <a:r>
-              <a:rPr lang="en-GB" sz="7200" b="1" dirty="0" smtClean="0"/>
+              <a:rPr lang="en-GB" sz="7200" b="1" dirty="0"/>
               <a:t>.  </a:t>
             </a:r>
             <a:endParaRPr lang="fr-FR" sz="7200" b="1" dirty="0"/>
@@ -4338,84 +4220,72 @@
           <a:lstStyle/>
           <a:p>
             <a:r>
-              <a:rPr lang="en-GB" sz="8000" b="1" dirty="0" err="1" smtClean="0"/>
+              <a:rPr lang="en-GB" sz="8000" b="1" dirty="0" err="1"/>
               <a:t>Ingao</a:t>
             </a:r>
             <a:r>
-              <a:rPr lang="en-GB" sz="8000" b="1" dirty="0" smtClean="0"/>
+              <a:rPr lang="en-GB" sz="8000" b="1" dirty="0"/>
               <a:t> </a:t>
             </a:r>
             <a:r>
-              <a:rPr lang="en-GB" sz="8000" b="1" dirty="0" err="1" smtClean="0"/>
+              <a:rPr lang="en-GB" sz="8000" b="1" dirty="0" err="1"/>
               <a:t>anio</a:t>
             </a:r>
-            <a:r>
-              <a:rPr lang="fr-FR" sz="8000" b="1" dirty="0" smtClean="0"/>
-              <a:t/>
-            </a:r>
             <a:br>
-              <a:rPr lang="fr-FR" sz="8000" b="1" dirty="0" smtClean="0"/>
+              <a:rPr lang="fr-FR" sz="8000" b="1" dirty="0"/>
             </a:br>
             <a:r>
-              <a:rPr lang="en-GB" sz="8000" b="1" dirty="0" smtClean="0"/>
+              <a:rPr lang="en-GB" sz="8000" b="1" dirty="0"/>
               <a:t>    </a:t>
             </a:r>
             <a:r>
-              <a:rPr lang="en-GB" sz="8000" b="1" dirty="0" err="1" smtClean="0"/>
+              <a:rPr lang="en-GB" sz="8000" b="1" dirty="0" err="1"/>
               <a:t>Ilay</a:t>
             </a:r>
             <a:r>
-              <a:rPr lang="en-GB" sz="8000" b="1" dirty="0" smtClean="0"/>
+              <a:rPr lang="en-GB" sz="8000" b="1" dirty="0"/>
               <a:t> </a:t>
             </a:r>
             <a:r>
-              <a:rPr lang="en-GB" sz="8000" b="1" dirty="0" err="1" smtClean="0"/>
+              <a:rPr lang="en-GB" sz="8000" b="1" dirty="0" err="1"/>
               <a:t>fanevanao</a:t>
             </a:r>
             <a:r>
-              <a:rPr lang="en-GB" sz="8000" b="1" dirty="0" smtClean="0"/>
+              <a:rPr lang="en-GB" sz="8000" b="1" dirty="0"/>
               <a:t>,</a:t>
             </a:r>
-            <a:r>
-              <a:rPr lang="fr-FR" sz="8000" b="1" dirty="0" smtClean="0"/>
-              <a:t/>
-            </a:r>
             <a:br>
-              <a:rPr lang="fr-FR" sz="8000" b="1" dirty="0" smtClean="0"/>
+              <a:rPr lang="fr-FR" sz="8000" b="1" dirty="0"/>
             </a:br>
             <a:r>
-              <a:rPr lang="en-GB" sz="8000" b="1" dirty="0" smtClean="0"/>
+              <a:rPr lang="en-GB" sz="8000" b="1" dirty="0"/>
               <a:t>   O ! </a:t>
             </a:r>
             <a:r>
-              <a:rPr lang="en-GB" sz="8000" b="1" dirty="0" err="1" smtClean="0"/>
+              <a:rPr lang="en-GB" sz="8000" b="1" dirty="0" err="1"/>
               <a:t>tafio</a:t>
             </a:r>
-            <a:r>
-              <a:rPr lang="fr-FR" sz="8000" b="1" dirty="0" smtClean="0"/>
-              <a:t/>
-            </a:r>
             <a:br>
-              <a:rPr lang="fr-FR" sz="8000" b="1" dirty="0" smtClean="0"/>
+              <a:rPr lang="fr-FR" sz="8000" b="1" dirty="0"/>
             </a:br>
             <a:r>
-              <a:rPr lang="en-GB" sz="8000" b="1" dirty="0" smtClean="0"/>
+              <a:rPr lang="en-GB" sz="8000" b="1" dirty="0"/>
               <a:t>    </a:t>
             </a:r>
             <a:r>
-              <a:rPr lang="en-GB" sz="8000" b="1" dirty="0" err="1" smtClean="0"/>
+              <a:rPr lang="en-GB" sz="8000" b="1" dirty="0" err="1"/>
               <a:t>Ny</a:t>
             </a:r>
             <a:r>
-              <a:rPr lang="en-GB" sz="8000" b="1" dirty="0" smtClean="0"/>
+              <a:rPr lang="en-GB" sz="8000" b="1" dirty="0"/>
               <a:t> </a:t>
             </a:r>
             <a:r>
-              <a:rPr lang="en-GB" sz="8000" b="1" dirty="0" err="1" smtClean="0"/>
+              <a:rPr lang="en-GB" sz="8000" b="1" dirty="0" err="1"/>
               <a:t>herinao</a:t>
             </a:r>
             <a:r>
-              <a:rPr lang="en-GB" sz="8000" b="1" dirty="0" smtClean="0"/>
+              <a:rPr lang="en-GB" sz="8000" b="1" dirty="0"/>
               <a:t>.</a:t>
             </a:r>
             <a:endParaRPr lang="fr-FR" sz="8000" b="1" dirty="0"/>
@@ -4534,18 +4404,6 @@
               </a:rPr>
               <a:t>,</a:t>
             </a:r>
-            <a:r>
-              <a:rPr lang="fr-FR" sz="7200" b="1" i="1" dirty="0">
-                <a:effectLst>
-                  <a:outerShdw blurRad="38100" dist="38100" dir="2700000" algn="tl">
-                    <a:srgbClr val="000000">
-                      <a:alpha val="43137"/>
-                    </a:srgbClr>
-                  </a:outerShdw>
-                </a:effectLst>
-              </a:rPr>
-              <a:t/>
-            </a:r>
             <a:br>
               <a:rPr lang="fr-FR" sz="7200" b="1" i="1" dirty="0">
                 <a:effectLst>
@@ -4558,7 +4416,7 @@
               </a:rPr>
             </a:br>
             <a:r>
-              <a:rPr lang="en-GB" sz="7200" b="1" i="1" dirty="0" err="1" smtClean="0">
+              <a:rPr lang="en-GB" sz="7200" b="1" i="1" dirty="0" err="1">
                 <a:effectLst>
                   <a:outerShdw blurRad="38100" dist="38100" dir="2700000" algn="tl">
                     <a:srgbClr val="000000">
@@ -4570,7 +4428,7 @@
               <a:t>Tafio</a:t>
             </a:r>
             <a:r>
-              <a:rPr lang="en-GB" sz="7200" b="1" i="1" dirty="0" smtClean="0">
+              <a:rPr lang="en-GB" sz="7200" b="1" i="1" dirty="0">
                 <a:effectLst>
                   <a:outerShdw blurRad="38100" dist="38100" dir="2700000" algn="tl">
                     <a:srgbClr val="000000">
@@ -4616,18 +4474,6 @@
                 </a:effectLst>
               </a:rPr>
               <a:t>herinao</a:t>
-            </a:r>
-            <a:r>
-              <a:rPr lang="fr-FR" sz="7200" b="1" i="1" dirty="0">
-                <a:effectLst>
-                  <a:outerShdw blurRad="38100" dist="38100" dir="2700000" algn="tl">
-                    <a:srgbClr val="000000">
-                      <a:alpha val="43137"/>
-                    </a:srgbClr>
-                  </a:outerShdw>
-                </a:effectLst>
-              </a:rPr>
-              <a:t/>
             </a:r>
             <a:br>
               <a:rPr lang="fr-FR" sz="7200" b="1" i="1" dirty="0">
@@ -4641,7 +4487,7 @@
               </a:rPr>
             </a:br>
             <a:r>
-              <a:rPr lang="en-GB" sz="7200" b="1" i="1" dirty="0" err="1" smtClean="0">
+              <a:rPr lang="en-GB" sz="7200" b="1" i="1" dirty="0" err="1">
                 <a:effectLst>
                   <a:outerShdw blurRad="38100" dist="38100" dir="2700000" algn="tl">
                     <a:srgbClr val="000000">
@@ -4653,7 +4499,7 @@
               <a:t>Injao</a:t>
             </a:r>
             <a:r>
-              <a:rPr lang="en-GB" sz="7200" b="1" i="1" dirty="0" smtClean="0">
+              <a:rPr lang="en-GB" sz="7200" b="1" i="1" dirty="0">
                 <a:effectLst>
                   <a:outerShdw blurRad="38100" dist="38100" dir="2700000" algn="tl">
                     <a:srgbClr val="000000">
@@ -4711,18 +4557,6 @@
                 </a:effectLst>
               </a:rPr>
               <a:t>,</a:t>
-            </a:r>
-            <a:r>
-              <a:rPr lang="fr-FR" sz="7200" b="1" i="1" dirty="0">
-                <a:effectLst>
-                  <a:outerShdw blurRad="38100" dist="38100" dir="2700000" algn="tl">
-                    <a:srgbClr val="000000">
-                      <a:alpha val="43137"/>
-                    </a:srgbClr>
-                  </a:outerShdw>
-                </a:effectLst>
-              </a:rPr>
-              <a:t/>
             </a:r>
             <a:br>
               <a:rPr lang="fr-FR" sz="7200" b="1" i="1" dirty="0">
@@ -4736,7 +4570,7 @@
               </a:rPr>
             </a:br>
             <a:r>
-              <a:rPr lang="en-GB" sz="7200" b="1" i="1" dirty="0" err="1" smtClean="0">
+              <a:rPr lang="en-GB" sz="7200" b="1" i="1" dirty="0" err="1">
                 <a:effectLst>
                   <a:outerShdw blurRad="38100" dist="38100" dir="2700000" algn="tl">
                     <a:srgbClr val="000000">
@@ -4748,7 +4582,7 @@
               <a:t>Manantena</a:t>
             </a:r>
             <a:r>
-              <a:rPr lang="en-GB" sz="7200" b="1" i="1" dirty="0" smtClean="0">
+              <a:rPr lang="en-GB" sz="7200" b="1" i="1" dirty="0">
                 <a:effectLst>
                   <a:outerShdw blurRad="38100" dist="38100" dir="2700000" algn="tl">
                     <a:srgbClr val="000000">
@@ -4919,18 +4753,6 @@
               </a:rPr>
               <a:t>,</a:t>
             </a:r>
-            <a:r>
-              <a:rPr lang="fr-FR" sz="7200" b="1" i="1" dirty="0">
-                <a:effectLst>
-                  <a:outerShdw blurRad="38100" dist="38100" dir="2700000" algn="tl">
-                    <a:srgbClr val="000000">
-                      <a:alpha val="43137"/>
-                    </a:srgbClr>
-                  </a:outerShdw>
-                </a:effectLst>
-              </a:rPr>
-              <a:t/>
-            </a:r>
             <a:br>
               <a:rPr lang="fr-FR" sz="7200" b="1" i="1" dirty="0">
                 <a:effectLst>
@@ -4943,7 +4765,7 @@
               </a:rPr>
             </a:br>
             <a:r>
-              <a:rPr lang="en-GB" sz="7200" b="1" i="1" dirty="0" err="1" smtClean="0">
+              <a:rPr lang="en-GB" sz="7200" b="1" i="1" dirty="0" err="1">
                 <a:effectLst>
                   <a:outerShdw blurRad="38100" dist="38100" dir="2700000" algn="tl">
                     <a:srgbClr val="000000">
@@ -4955,7 +4777,7 @@
               <a:t>Taninin-doza</a:t>
             </a:r>
             <a:r>
-              <a:rPr lang="en-GB" sz="7200" b="1" i="1" dirty="0" smtClean="0">
+              <a:rPr lang="en-GB" sz="7200" b="1" i="1" dirty="0">
                 <a:effectLst>
                   <a:outerShdw blurRad="38100" dist="38100" dir="2700000" algn="tl">
                     <a:srgbClr val="000000">
@@ -4977,18 +4799,6 @@
                 </a:effectLst>
               </a:rPr>
               <a:t>izao</a:t>
-            </a:r>
-            <a:r>
-              <a:rPr lang="fr-FR" sz="7200" b="1" i="1" dirty="0">
-                <a:effectLst>
-                  <a:outerShdw blurRad="38100" dist="38100" dir="2700000" algn="tl">
-                    <a:srgbClr val="000000">
-                      <a:alpha val="43137"/>
-                    </a:srgbClr>
-                  </a:outerShdw>
-                </a:effectLst>
-              </a:rPr>
-              <a:t/>
             </a:r>
             <a:br>
               <a:rPr lang="fr-FR" sz="7200" b="1" i="1" dirty="0">
@@ -5002,18 +4812,6 @@
               </a:rPr>
             </a:br>
             <a:r>
-              <a:rPr lang="en-GB" sz="7200" b="1" i="1" dirty="0" smtClean="0">
-                <a:effectLst>
-                  <a:outerShdw blurRad="38100" dist="38100" dir="2700000" algn="tl">
-                    <a:srgbClr val="000000">
-                      <a:alpha val="43137"/>
-                    </a:srgbClr>
-                  </a:outerShdw>
-                </a:effectLst>
-              </a:rPr>
-              <a:t>O </a:t>
-            </a:r>
-            <a:r>
               <a:rPr lang="en-GB" sz="7200" b="1" i="1" dirty="0">
                 <a:effectLst>
                   <a:outerShdw blurRad="38100" dist="38100" dir="2700000" algn="tl">
@@ -5023,7 +4821,7 @@
                   </a:outerShdw>
                 </a:effectLst>
               </a:rPr>
-              <a:t>! </a:t>
+              <a:t>O ! </a:t>
             </a:r>
             <a:r>
               <a:rPr lang="en-GB" sz="7200" b="1" i="1" dirty="0" err="1">
@@ -5036,18 +4834,6 @@
                 </a:effectLst>
               </a:rPr>
               <a:t>vonjeo</a:t>
-            </a:r>
-            <a:r>
-              <a:rPr lang="fr-FR" sz="7200" b="1" i="1" dirty="0">
-                <a:effectLst>
-                  <a:outerShdw blurRad="38100" dist="38100" dir="2700000" algn="tl">
-                    <a:srgbClr val="000000">
-                      <a:alpha val="43137"/>
-                    </a:srgbClr>
-                  </a:outerShdw>
-                </a:effectLst>
-              </a:rPr>
-              <a:t/>
             </a:r>
             <a:br>
               <a:rPr lang="fr-FR" sz="7200" b="1" i="1" dirty="0">
@@ -5061,7 +4847,7 @@
               </a:rPr>
             </a:br>
             <a:r>
-              <a:rPr lang="en-GB" sz="7200" b="1" i="1" dirty="0" err="1" smtClean="0">
+              <a:rPr lang="en-GB" sz="7200" b="1" i="1" dirty="0" err="1">
                 <a:effectLst>
                   <a:outerShdw blurRad="38100" dist="38100" dir="2700000" algn="tl">
                     <a:srgbClr val="000000">
@@ -5073,7 +4859,7 @@
               <a:t>Fa</a:t>
             </a:r>
             <a:r>
-              <a:rPr lang="en-GB" sz="7200" b="1" i="1" dirty="0" smtClean="0">
+              <a:rPr lang="en-GB" sz="7200" b="1" i="1" dirty="0">
                 <a:effectLst>
                   <a:outerShdw blurRad="38100" dist="38100" dir="2700000" algn="tl">
                     <a:srgbClr val="000000">
@@ -5173,7 +4959,7 @@
           <a:lstStyle/>
           <a:p>
             <a:r>
-              <a:rPr lang="en-GB" sz="8000" b="1" dirty="0" smtClean="0">
+              <a:rPr lang="en-GB" sz="8000" b="1" dirty="0">
                 <a:solidFill>
                   <a:srgbClr val="FF0000"/>
                 </a:solidFill>
@@ -5192,19 +4978,15 @@
               <a:rPr lang="en-GB" sz="8000" b="1" dirty="0" err="1"/>
               <a:t>jereo</a:t>
             </a:r>
-            <a:r>
-              <a:rPr lang="fr-FR" sz="8000" b="1" dirty="0"/>
-              <a:t/>
-            </a:r>
             <a:br>
               <a:rPr lang="fr-FR" sz="8000" b="1" dirty="0"/>
             </a:br>
             <a:r>
-              <a:rPr lang="en-GB" sz="8000" b="1" dirty="0" err="1" smtClean="0"/>
+              <a:rPr lang="en-GB" sz="8000" b="1" dirty="0" err="1"/>
               <a:t>Ny</a:t>
             </a:r>
             <a:r>
-              <a:rPr lang="en-GB" sz="8000" b="1" dirty="0" smtClean="0"/>
+              <a:rPr lang="en-GB" sz="8000" b="1" dirty="0"/>
               <a:t> </a:t>
             </a:r>
             <a:r>
@@ -5214,21 +4996,13 @@
             <a:r>
               <a:rPr lang="en-GB" sz="8000" b="1" dirty="0"/>
               <a:t> ;</a:t>
-            </a:r>
-            <a:r>
-              <a:rPr lang="fr-FR" sz="8000" b="1" dirty="0"/>
-              <a:t/>
             </a:r>
             <a:br>
               <a:rPr lang="fr-FR" sz="8000" b="1" dirty="0"/>
             </a:br>
             <a:r>
-              <a:rPr lang="en-GB" sz="8000" b="1" dirty="0" smtClean="0"/>
-              <a:t>O</a:t>
-            </a:r>
-            <a:r>
               <a:rPr lang="en-GB" sz="8000" b="1" dirty="0"/>
-              <a:t>! </a:t>
+              <a:t>O! </a:t>
             </a:r>
             <a:r>
               <a:rPr lang="en-GB" sz="8000" b="1" dirty="0" err="1"/>
@@ -5241,20 +5015,16 @@
             <a:r>
               <a:rPr lang="en-GB" sz="8000" b="1" dirty="0" err="1"/>
               <a:t>vonjeo</a:t>
-            </a:r>
-            <a:r>
-              <a:rPr lang="fr-FR" sz="8000" b="1" dirty="0"/>
-              <a:t/>
             </a:r>
             <a:br>
               <a:rPr lang="fr-FR" sz="8000" b="1" dirty="0"/>
             </a:br>
             <a:r>
-              <a:rPr lang="en-GB" sz="8000" b="1" dirty="0" err="1" smtClean="0"/>
+              <a:rPr lang="en-GB" sz="8000" b="1" dirty="0" err="1"/>
               <a:t>Fa</a:t>
             </a:r>
             <a:r>
-              <a:rPr lang="en-GB" sz="8000" b="1" dirty="0" smtClean="0"/>
+              <a:rPr lang="en-GB" sz="8000" b="1" dirty="0"/>
               <a:t> </a:t>
             </a:r>
             <a:r>
@@ -5341,15 +5111,11 @@
               <a:rPr lang="en-GB" sz="8000" b="1" dirty="0" err="1"/>
               <a:t>soa</a:t>
             </a:r>
-            <a:r>
-              <a:rPr lang="fr-FR" sz="8000" b="1" dirty="0"/>
-              <a:t/>
-            </a:r>
             <a:br>
               <a:rPr lang="fr-FR" sz="8000" b="1" dirty="0"/>
             </a:br>
             <a:r>
-              <a:rPr lang="en-GB" sz="8000" b="1" dirty="0" smtClean="0"/>
+              <a:rPr lang="en-GB" sz="8000" b="1" dirty="0"/>
               <a:t>No </a:t>
             </a:r>
             <a:r>
@@ -5371,35 +5137,23 @@
             <a:r>
               <a:rPr lang="en-GB" sz="8000" b="1" dirty="0" err="1"/>
               <a:t>koa</a:t>
-            </a:r>
-            <a:r>
-              <a:rPr lang="fr-FR" sz="8000" b="1" dirty="0"/>
-              <a:t/>
             </a:r>
             <a:br>
               <a:rPr lang="fr-FR" sz="8000" b="1" dirty="0"/>
             </a:br>
             <a:r>
-              <a:rPr lang="en-GB" sz="8000" b="1" dirty="0" smtClean="0"/>
-              <a:t>O </a:t>
-            </a:r>
-            <a:r>
               <a:rPr lang="en-GB" sz="8000" b="1" dirty="0"/>
-              <a:t>! </a:t>
+              <a:t>O ! </a:t>
             </a:r>
             <a:r>
               <a:rPr lang="en-GB" sz="8000" b="1" dirty="0" err="1"/>
               <a:t>avia</a:t>
-            </a:r>
-            <a:r>
-              <a:rPr lang="fr-FR" sz="8000" b="1" dirty="0"/>
-              <a:t/>
             </a:r>
             <a:br>
               <a:rPr lang="fr-FR" sz="8000" b="1" dirty="0"/>
             </a:br>
             <a:r>
-              <a:rPr lang="en-GB" sz="8000" b="1" dirty="0" err="1" smtClean="0"/>
+              <a:rPr lang="en-GB" sz="8000" b="1" dirty="0" err="1"/>
               <a:t>Hiara-dia</a:t>
             </a:r>
             <a:r>
@@ -5522,18 +5276,6 @@
               </a:rPr>
               <a:t>,</a:t>
             </a:r>
-            <a:r>
-              <a:rPr lang="fr-FR" sz="7200" b="1" i="1" dirty="0">
-                <a:effectLst>
-                  <a:outerShdw blurRad="38100" dist="38100" dir="2700000" algn="tl">
-                    <a:srgbClr val="000000">
-                      <a:alpha val="43137"/>
-                    </a:srgbClr>
-                  </a:outerShdw>
-                </a:effectLst>
-              </a:rPr>
-              <a:t/>
-            </a:r>
             <a:br>
               <a:rPr lang="fr-FR" sz="7200" b="1" i="1" dirty="0">
                 <a:effectLst>
@@ -5546,7 +5288,7 @@
               </a:rPr>
             </a:br>
             <a:r>
-              <a:rPr lang="en-GB" sz="7200" b="1" i="1" dirty="0" err="1" smtClean="0">
+              <a:rPr lang="en-GB" sz="7200" b="1" i="1" dirty="0" err="1">
                 <a:effectLst>
                   <a:outerShdw blurRad="38100" dist="38100" dir="2700000" algn="tl">
                     <a:srgbClr val="000000">
@@ -5558,7 +5300,7 @@
               <a:t>Tafio</a:t>
             </a:r>
             <a:r>
-              <a:rPr lang="en-GB" sz="7200" b="1" i="1" dirty="0" smtClean="0">
+              <a:rPr lang="en-GB" sz="7200" b="1" i="1" dirty="0">
                 <a:effectLst>
                   <a:outerShdw blurRad="38100" dist="38100" dir="2700000" algn="tl">
                     <a:srgbClr val="000000">
@@ -5604,18 +5346,6 @@
                 </a:effectLst>
               </a:rPr>
               <a:t>herinao</a:t>
-            </a:r>
-            <a:r>
-              <a:rPr lang="fr-FR" sz="7200" b="1" i="1" dirty="0">
-                <a:effectLst>
-                  <a:outerShdw blurRad="38100" dist="38100" dir="2700000" algn="tl">
-                    <a:srgbClr val="000000">
-                      <a:alpha val="43137"/>
-                    </a:srgbClr>
-                  </a:outerShdw>
-                </a:effectLst>
-              </a:rPr>
-              <a:t/>
             </a:r>
             <a:br>
               <a:rPr lang="fr-FR" sz="7200" b="1" i="1" dirty="0">
@@ -5629,7 +5359,7 @@
               </a:rPr>
             </a:br>
             <a:r>
-              <a:rPr lang="en-GB" sz="7200" b="1" i="1" dirty="0" err="1" smtClean="0">
+              <a:rPr lang="en-GB" sz="7200" b="1" i="1" dirty="0" err="1">
                 <a:effectLst>
                   <a:outerShdw blurRad="38100" dist="38100" dir="2700000" algn="tl">
                     <a:srgbClr val="000000">
@@ -5641,7 +5371,7 @@
               <a:t>Injao</a:t>
             </a:r>
             <a:r>
-              <a:rPr lang="en-GB" sz="7200" b="1" i="1" dirty="0" smtClean="0">
+              <a:rPr lang="en-GB" sz="7200" b="1" i="1" dirty="0">
                 <a:effectLst>
                   <a:outerShdw blurRad="38100" dist="38100" dir="2700000" algn="tl">
                     <a:srgbClr val="000000">
@@ -5699,18 +5429,6 @@
                 </a:effectLst>
               </a:rPr>
               <a:t>,</a:t>
-            </a:r>
-            <a:r>
-              <a:rPr lang="fr-FR" sz="7200" b="1" i="1" dirty="0">
-                <a:effectLst>
-                  <a:outerShdw blurRad="38100" dist="38100" dir="2700000" algn="tl">
-                    <a:srgbClr val="000000">
-                      <a:alpha val="43137"/>
-                    </a:srgbClr>
-                  </a:outerShdw>
-                </a:effectLst>
-              </a:rPr>
-              <a:t/>
             </a:r>
             <a:br>
               <a:rPr lang="fr-FR" sz="7200" b="1" i="1" dirty="0">
@@ -5724,7 +5442,7 @@
               </a:rPr>
             </a:br>
             <a:r>
-              <a:rPr lang="en-GB" sz="7200" b="1" i="1" dirty="0" err="1" smtClean="0">
+              <a:rPr lang="en-GB" sz="7200" b="1" i="1" dirty="0" err="1">
                 <a:effectLst>
                   <a:outerShdw blurRad="38100" dist="38100" dir="2700000" algn="tl">
                     <a:srgbClr val="000000">
@@ -5736,7 +5454,7 @@
               <a:t>Manantena</a:t>
             </a:r>
             <a:r>
-              <a:rPr lang="en-GB" sz="7200" b="1" i="1" dirty="0" smtClean="0">
+              <a:rPr lang="en-GB" sz="7200" b="1" i="1" dirty="0">
                 <a:effectLst>
                   <a:outerShdw blurRad="38100" dist="38100" dir="2700000" algn="tl">
                     <a:srgbClr val="000000">
@@ -5907,18 +5625,6 @@
               </a:rPr>
               <a:t>,</a:t>
             </a:r>
-            <a:r>
-              <a:rPr lang="fr-FR" sz="7200" b="1" i="1" dirty="0">
-                <a:effectLst>
-                  <a:outerShdw blurRad="38100" dist="38100" dir="2700000" algn="tl">
-                    <a:srgbClr val="000000">
-                      <a:alpha val="43137"/>
-                    </a:srgbClr>
-                  </a:outerShdw>
-                </a:effectLst>
-              </a:rPr>
-              <a:t/>
-            </a:r>
             <a:br>
               <a:rPr lang="fr-FR" sz="7200" b="1" i="1" dirty="0">
                 <a:effectLst>
@@ -5931,7 +5637,7 @@
               </a:rPr>
             </a:br>
             <a:r>
-              <a:rPr lang="en-GB" sz="7200" b="1" i="1" dirty="0" err="1" smtClean="0">
+              <a:rPr lang="en-GB" sz="7200" b="1" i="1" dirty="0" err="1">
                 <a:effectLst>
                   <a:outerShdw blurRad="38100" dist="38100" dir="2700000" algn="tl">
                     <a:srgbClr val="000000">
@@ -5943,7 +5649,7 @@
               <a:t>Taninin-doza</a:t>
             </a:r>
             <a:r>
-              <a:rPr lang="en-GB" sz="7200" b="1" i="1" dirty="0" smtClean="0">
+              <a:rPr lang="en-GB" sz="7200" b="1" i="1" dirty="0">
                 <a:effectLst>
                   <a:outerShdw blurRad="38100" dist="38100" dir="2700000" algn="tl">
                     <a:srgbClr val="000000">
@@ -5965,18 +5671,6 @@
                 </a:effectLst>
               </a:rPr>
               <a:t>izao</a:t>
-            </a:r>
-            <a:r>
-              <a:rPr lang="fr-FR" sz="7200" b="1" i="1" dirty="0">
-                <a:effectLst>
-                  <a:outerShdw blurRad="38100" dist="38100" dir="2700000" algn="tl">
-                    <a:srgbClr val="000000">
-                      <a:alpha val="43137"/>
-                    </a:srgbClr>
-                  </a:outerShdw>
-                </a:effectLst>
-              </a:rPr>
-              <a:t/>
             </a:r>
             <a:br>
               <a:rPr lang="fr-FR" sz="7200" b="1" i="1" dirty="0">
@@ -5990,18 +5684,6 @@
               </a:rPr>
             </a:br>
             <a:r>
-              <a:rPr lang="en-GB" sz="7200" b="1" i="1" dirty="0" smtClean="0">
-                <a:effectLst>
-                  <a:outerShdw blurRad="38100" dist="38100" dir="2700000" algn="tl">
-                    <a:srgbClr val="000000">
-                      <a:alpha val="43137"/>
-                    </a:srgbClr>
-                  </a:outerShdw>
-                </a:effectLst>
-              </a:rPr>
-              <a:t>O </a:t>
-            </a:r>
-            <a:r>
               <a:rPr lang="en-GB" sz="7200" b="1" i="1" dirty="0">
                 <a:effectLst>
                   <a:outerShdw blurRad="38100" dist="38100" dir="2700000" algn="tl">
@@ -6011,7 +5693,7 @@
                   </a:outerShdw>
                 </a:effectLst>
               </a:rPr>
-              <a:t>! </a:t>
+              <a:t>O ! </a:t>
             </a:r>
             <a:r>
               <a:rPr lang="en-GB" sz="7200" b="1" i="1" dirty="0" err="1">
@@ -6024,18 +5706,6 @@
                 </a:effectLst>
               </a:rPr>
               <a:t>vonjeo</a:t>
-            </a:r>
-            <a:r>
-              <a:rPr lang="fr-FR" sz="7200" b="1" i="1" dirty="0">
-                <a:effectLst>
-                  <a:outerShdw blurRad="38100" dist="38100" dir="2700000" algn="tl">
-                    <a:srgbClr val="000000">
-                      <a:alpha val="43137"/>
-                    </a:srgbClr>
-                  </a:outerShdw>
-                </a:effectLst>
-              </a:rPr>
-              <a:t/>
             </a:r>
             <a:br>
               <a:rPr lang="fr-FR" sz="7200" b="1" i="1" dirty="0">
@@ -6049,7 +5719,7 @@
               </a:rPr>
             </a:br>
             <a:r>
-              <a:rPr lang="en-GB" sz="7200" b="1" i="1" dirty="0" err="1" smtClean="0">
+              <a:rPr lang="en-GB" sz="7200" b="1" i="1" dirty="0" err="1">
                 <a:effectLst>
                   <a:outerShdw blurRad="38100" dist="38100" dir="2700000" algn="tl">
                     <a:srgbClr val="000000">
@@ -6061,7 +5731,7 @@
               <a:t>Fa</a:t>
             </a:r>
             <a:r>
-              <a:rPr lang="en-GB" sz="7200" b="1" i="1" dirty="0" smtClean="0">
+              <a:rPr lang="en-GB" sz="7200" b="1" i="1" dirty="0">
                 <a:effectLst>
                   <a:outerShdw blurRad="38100" dist="38100" dir="2700000" algn="tl">
                     <a:srgbClr val="000000">
